--- a/PPT/개인 연구 Simulink.pptx
+++ b/PPT/개인 연구 Simulink.pptx
@@ -230,7 +230,7 @@
           <a:p>
             <a:fld id="{D1DA2BEC-7E6F-47A9-9115-3EED439C6DA5}" type="datetimeFigureOut">
               <a:rPr lang="ko-KR" altLang="en-US" smtClean="0"/>
-              <a:t>2024-01-18</a:t>
+              <a:t>2024-02-15</a:t>
             </a:fld>
             <a:endParaRPr lang="ko-KR" altLang="en-US"/>
           </a:p>
@@ -408,7 +408,7 @@
           <a:p>
             <a:fld id="{BF98C93F-AAD7-4410-AA25-972027873478}" type="datetimeFigureOut">
               <a:rPr lang="ko-KR" altLang="en-US" smtClean="0"/>
-              <a:t>2024-01-18</a:t>
+              <a:t>2024-02-15</a:t>
             </a:fld>
             <a:endParaRPr lang="ko-KR" altLang="en-US"/>
           </a:p>

--- a/PPT/개인 연구 Simulink.pptx
+++ b/PPT/개인 연구 Simulink.pptx
@@ -230,7 +230,7 @@
           <a:p>
             <a:fld id="{D1DA2BEC-7E6F-47A9-9115-3EED439C6DA5}" type="datetimeFigureOut">
               <a:rPr lang="ko-KR" altLang="en-US" smtClean="0"/>
-              <a:t>2024-02-15</a:t>
+              <a:t>2024-04-15</a:t>
             </a:fld>
             <a:endParaRPr lang="ko-KR" altLang="en-US"/>
           </a:p>
@@ -408,7 +408,7 @@
           <a:p>
             <a:fld id="{BF98C93F-AAD7-4410-AA25-972027873478}" type="datetimeFigureOut">
               <a:rPr lang="ko-KR" altLang="en-US" smtClean="0"/>
-              <a:t>2024-02-15</a:t>
+              <a:t>2024-04-15</a:t>
             </a:fld>
             <a:endParaRPr lang="ko-KR" altLang="en-US"/>
           </a:p>
@@ -6194,8 +6194,8 @@
           </p:sp>
         </mc:Fallback>
       </mc:AlternateContent>
-      <mc:AlternateContent xmlns:mc="http://schemas.openxmlformats.org/markup-compatibility/2006" xmlns:a14="http://schemas.microsoft.com/office/drawing/2010/main">
-        <mc:Choice Requires="a14">
+      <mc:AlternateContent xmlns:mc="http://schemas.openxmlformats.org/markup-compatibility/2006">
+        <mc:Choice xmlns:a14="http://schemas.microsoft.com/office/drawing/2010/main" Requires="a14">
           <p:sp>
             <p:nvSpPr>
               <p:cNvPr id="8" name="TextBox 7">
@@ -6210,7 +6210,7 @@
             </p:nvSpPr>
             <p:spPr>
               <a:xfrm>
-                <a:off x="1432122" y="3334336"/>
+                <a:off x="939800" y="3320973"/>
                 <a:ext cx="4994252" cy="409086"/>
               </a:xfrm>
               <a:prstGeom prst="rect">
@@ -6480,7 +6480,7 @@
             </p:txBody>
           </p:sp>
         </mc:Choice>
-        <mc:Fallback xmlns="">
+        <mc:Fallback>
           <p:sp>
             <p:nvSpPr>
               <p:cNvPr id="8" name="TextBox 7">
@@ -6497,7 +6497,7 @@
             </p:nvSpPr>
             <p:spPr>
               <a:xfrm>
-                <a:off x="1432122" y="3334336"/>
+                <a:off x="939800" y="3320973"/>
                 <a:ext cx="4994252" cy="409086"/>
               </a:xfrm>
               <a:prstGeom prst="rect">
